--- a/presentation/Presentation - Gap between A&D in GB.pptx
+++ b/presentation/Presentation - Gap between A&D in GB.pptx
@@ -3097,6 +3097,10 @@
               <a:t> </a:t>
             </a:r>
             <a:r>
+              <a:rPr lang="en-US" altLang="zh-CN" dirty="0"/>
+              <a:t>accessible </a:t>
+            </a:r>
+            <a:r>
               <a:rPr lang="en-GB" altLang="zh-CN" dirty="0"/>
               <a:t>rail</a:t>
             </a:r>
@@ -3106,7 +3110,7 @@
             </a:r>
             <a:r>
               <a:rPr lang="en-GB" altLang="zh-CN" dirty="0"/>
-              <a:t>stations</a:t>
+              <a:t>stations/ total rail stations</a:t>
             </a:r>
           </a:p>
           <a:p>

--- a/presentation/Presentation - Gap between A&D in GB.pptx
+++ b/presentation/Presentation - Gap between A&D in GB.pptx
@@ -3110,7 +3110,7 @@
             </a:r>
             <a:r>
               <a:rPr lang="en-GB" altLang="zh-CN" dirty="0"/>
-              <a:t>stations/ total rail stations</a:t>
+              <a:t>stations / total rail stations</a:t>
             </a:r>
           </a:p>
           <a:p>

--- a/presentation/Presentation - Gap between A&D in GB.pptx
+++ b/presentation/Presentation - Gap between A&D in GB.pptx
@@ -247,7 +247,7 @@
           <a:p>
             <a:fld id="{D997B5FA-0921-464F-AAE1-844C04324D75}" type="datetimeFigureOut">
               <a:rPr lang="zh-CN" altLang="en-US" smtClean="0"/>
-              <a:t>2019/5/19</a:t>
+              <a:t>2019/5/20</a:t>
             </a:fld>
             <a:endParaRPr lang="zh-CN" altLang="en-US"/>
           </a:p>
@@ -415,7 +415,7 @@
           <a:p>
             <a:fld id="{D997B5FA-0921-464F-AAE1-844C04324D75}" type="datetimeFigureOut">
               <a:rPr lang="zh-CN" altLang="en-US" smtClean="0"/>
-              <a:t>2019/5/19</a:t>
+              <a:t>2019/5/20</a:t>
             </a:fld>
             <a:endParaRPr lang="zh-CN" altLang="en-US"/>
           </a:p>
@@ -593,7 +593,7 @@
           <a:p>
             <a:fld id="{D997B5FA-0921-464F-AAE1-844C04324D75}" type="datetimeFigureOut">
               <a:rPr lang="zh-CN" altLang="en-US" smtClean="0"/>
-              <a:t>2019/5/19</a:t>
+              <a:t>2019/5/20</a:t>
             </a:fld>
             <a:endParaRPr lang="zh-CN" altLang="en-US"/>
           </a:p>
@@ -761,7 +761,7 @@
           <a:p>
             <a:fld id="{D997B5FA-0921-464F-AAE1-844C04324D75}" type="datetimeFigureOut">
               <a:rPr lang="zh-CN" altLang="en-US" smtClean="0"/>
-              <a:t>2019/5/19</a:t>
+              <a:t>2019/5/20</a:t>
             </a:fld>
             <a:endParaRPr lang="zh-CN" altLang="en-US"/>
           </a:p>
@@ -1006,7 +1006,7 @@
           <a:p>
             <a:fld id="{D997B5FA-0921-464F-AAE1-844C04324D75}" type="datetimeFigureOut">
               <a:rPr lang="zh-CN" altLang="en-US" smtClean="0"/>
-              <a:t>2019/5/19</a:t>
+              <a:t>2019/5/20</a:t>
             </a:fld>
             <a:endParaRPr lang="zh-CN" altLang="en-US"/>
           </a:p>
@@ -1235,7 +1235,7 @@
           <a:p>
             <a:fld id="{D997B5FA-0921-464F-AAE1-844C04324D75}" type="datetimeFigureOut">
               <a:rPr lang="zh-CN" altLang="en-US" smtClean="0"/>
-              <a:t>2019/5/19</a:t>
+              <a:t>2019/5/20</a:t>
             </a:fld>
             <a:endParaRPr lang="zh-CN" altLang="en-US"/>
           </a:p>
@@ -1599,7 +1599,7 @@
           <a:p>
             <a:fld id="{D997B5FA-0921-464F-AAE1-844C04324D75}" type="datetimeFigureOut">
               <a:rPr lang="zh-CN" altLang="en-US" smtClean="0"/>
-              <a:t>2019/5/19</a:t>
+              <a:t>2019/5/20</a:t>
             </a:fld>
             <a:endParaRPr lang="zh-CN" altLang="en-US"/>
           </a:p>
@@ -1716,7 +1716,7 @@
           <a:p>
             <a:fld id="{D997B5FA-0921-464F-AAE1-844C04324D75}" type="datetimeFigureOut">
               <a:rPr lang="zh-CN" altLang="en-US" smtClean="0"/>
-              <a:t>2019/5/19</a:t>
+              <a:t>2019/5/20</a:t>
             </a:fld>
             <a:endParaRPr lang="zh-CN" altLang="en-US"/>
           </a:p>
@@ -1811,7 +1811,7 @@
           <a:p>
             <a:fld id="{D997B5FA-0921-464F-AAE1-844C04324D75}" type="datetimeFigureOut">
               <a:rPr lang="zh-CN" altLang="en-US" smtClean="0"/>
-              <a:t>2019/5/19</a:t>
+              <a:t>2019/5/20</a:t>
             </a:fld>
             <a:endParaRPr lang="zh-CN" altLang="en-US"/>
           </a:p>
@@ -2086,7 +2086,7 @@
           <a:p>
             <a:fld id="{D997B5FA-0921-464F-AAE1-844C04324D75}" type="datetimeFigureOut">
               <a:rPr lang="zh-CN" altLang="en-US" smtClean="0"/>
-              <a:t>2019/5/19</a:t>
+              <a:t>2019/5/20</a:t>
             </a:fld>
             <a:endParaRPr lang="zh-CN" altLang="en-US"/>
           </a:p>
@@ -2338,7 +2338,7 @@
           <a:p>
             <a:fld id="{D997B5FA-0921-464F-AAE1-844C04324D75}" type="datetimeFigureOut">
               <a:rPr lang="zh-CN" altLang="en-US" smtClean="0"/>
-              <a:t>2019/5/19</a:t>
+              <a:t>2019/5/20</a:t>
             </a:fld>
             <a:endParaRPr lang="zh-CN" altLang="en-US"/>
           </a:p>
@@ -2549,7 +2549,7 @@
           <a:p>
             <a:fld id="{D997B5FA-0921-464F-AAE1-844C04324D75}" type="datetimeFigureOut">
               <a:rPr lang="zh-CN" altLang="en-US" smtClean="0"/>
-              <a:t>2019/5/19</a:t>
+              <a:t>2019/5/20</a:t>
             </a:fld>
             <a:endParaRPr lang="zh-CN" altLang="en-US"/>
           </a:p>
@@ -3157,7 +3157,7 @@
           <a:p>
             <a:r>
               <a:rPr lang="en-US" altLang="zh-CN" dirty="0"/>
-              <a:t>Aims</a:t>
+              <a:t>Aim</a:t>
             </a:r>
             <a:r>
               <a:rPr lang="en-GB" altLang="zh-CN" dirty="0"/>

--- a/presentation/Presentation - Gap between A&D in GB.pptx
+++ b/presentation/Presentation - Gap between A&D in GB.pptx
@@ -4091,8 +4091,12 @@
           <a:lstStyle/>
           <a:p>
             <a:r>
+              <a:rPr lang="en-US" altLang="zh-CN"/>
+              <a:t>Greater </a:t>
+            </a:r>
+            <a:r>
               <a:rPr lang="en-US" altLang="zh-CN" dirty="0"/>
-              <a:t>Great London</a:t>
+              <a:t>London</a:t>
             </a:r>
           </a:p>
           <a:p>

--- a/presentation/Presentation - Gap between A&D in GB.pptx
+++ b/presentation/Presentation - Gap between A&D in GB.pptx
@@ -4091,12 +4091,8 @@
           <a:lstStyle/>
           <a:p>
             <a:r>
-              <a:rPr lang="en-US" altLang="zh-CN"/>
-              <a:t>Greater </a:t>
-            </a:r>
-            <a:r>
               <a:rPr lang="en-US" altLang="zh-CN" dirty="0"/>
-              <a:t>London</a:t>
+              <a:t>Greater London</a:t>
             </a:r>
           </a:p>
           <a:p>
@@ -4107,15 +4103,6 @@
               <a:rPr lang="en-GB" altLang="zh-CN" dirty="0"/>
               <a:t>- disabled population density is completely different from the proportion</a:t>
             </a:r>
-          </a:p>
-          <a:p>
-            <a:pPr marL="0" indent="0">
-              <a:buNone/>
-            </a:pPr>
-            <a:r>
-              <a:rPr lang="en-GB" dirty="0"/>
-              <a:t>   </a:t>
-            </a:r>
             <a:endParaRPr lang="en-US" dirty="0"/>
           </a:p>
           <a:p>
@@ -4149,7 +4136,19 @@
               <a:rPr lang="en-GB" altLang="zh-CN" dirty="0"/>
               <a:t>are adjacent to each other with similar areas and situations</a:t>
             </a:r>
-            <a:endParaRPr lang="en-US" altLang="zh-CN" dirty="0"/>
+          </a:p>
+          <a:p>
+            <a:pPr marL="0" indent="0">
+              <a:buNone/>
+            </a:pPr>
+            <a:endParaRPr lang="en-GB" altLang="zh-CN" dirty="0"/>
+          </a:p>
+          <a:p>
+            <a:r>
+              <a:rPr lang="en-GB" altLang="zh-CN"/>
+              <a:t>Summary: small gap between accessibility and disability, but they are generally matched.</a:t>
+            </a:r>
+            <a:endParaRPr lang="en-GB" altLang="zh-CN" dirty="0"/>
           </a:p>
         </p:txBody>
       </p:sp>
